--- a/Project Main/Project3 Presentation.pptx
+++ b/Project Main/Project3 Presentation.pptx
@@ -1663,7 +1663,7 @@
       </p:grpSpPr>
       <p:sp>
         <p:nvSpPr>
-          <p:cNvPr id="187" name="Google Shape;187;g310d8c41dc6_0_0:notes"/>
+          <p:cNvPr id="187" name="Google Shape;187;g3035fc2e8c7_0_116:notes"/>
           <p:cNvSpPr txBox="1"/>
           <p:nvPr>
             <p:ph idx="1" type="body"/>
@@ -1702,7 +1702,7 @@
       </p:sp>
       <p:sp>
         <p:nvSpPr>
-          <p:cNvPr id="188" name="Google Shape;188;g310d8c41dc6_0_0:notes"/>
+          <p:cNvPr id="188" name="Google Shape;188;g3035fc2e8c7_0_116:notes"/>
           <p:cNvSpPr/>
           <p:nvPr>
             <p:ph idx="2" type="sldImg"/>
@@ -1748,7 +1748,7 @@
   <p:cSld>
     <p:spTree>
       <p:nvGrpSpPr>
-        <p:cNvPr id="196" name="Shape 196"/>
+        <p:cNvPr id="194" name="Shape 194"/>
         <p:cNvGrpSpPr/>
         <p:nvPr/>
       </p:nvGrpSpPr>
@@ -1762,7 +1762,7 @@
       </p:grpSpPr>
       <p:sp>
         <p:nvSpPr>
-          <p:cNvPr id="197" name="Google Shape;197;g3035fc2e8c7_0_116:notes"/>
+          <p:cNvPr id="195" name="Google Shape;195;g3035fc2e8c7_2_40:notes"/>
           <p:cNvSpPr txBox="1"/>
           <p:nvPr>
             <p:ph idx="1" type="body"/>
@@ -1801,7 +1801,7 @@
       </p:sp>
       <p:sp>
         <p:nvSpPr>
-          <p:cNvPr id="198" name="Google Shape;198;g3035fc2e8c7_0_116:notes"/>
+          <p:cNvPr id="196" name="Google Shape;196;g3035fc2e8c7_2_40:notes"/>
           <p:cNvSpPr/>
           <p:nvPr>
             <p:ph idx="2" type="sldImg"/>
@@ -1847,7 +1847,7 @@
   <p:cSld>
     <p:spTree>
       <p:nvGrpSpPr>
-        <p:cNvPr id="204" name="Shape 204"/>
+        <p:cNvPr id="202" name="Shape 202"/>
         <p:cNvGrpSpPr/>
         <p:nvPr/>
       </p:nvGrpSpPr>
@@ -1861,7 +1861,7 @@
       </p:grpSpPr>
       <p:sp>
         <p:nvSpPr>
-          <p:cNvPr id="205" name="Google Shape;205;g3035fc2e8c7_2_40:notes"/>
+          <p:cNvPr id="203" name="Google Shape;203;g310d8c41dc6_0_0:notes"/>
           <p:cNvSpPr txBox="1"/>
           <p:nvPr>
             <p:ph idx="1" type="body"/>
@@ -1900,7 +1900,7 @@
       </p:sp>
       <p:sp>
         <p:nvSpPr>
-          <p:cNvPr id="206" name="Google Shape;206;g3035fc2e8c7_2_40:notes"/>
+          <p:cNvPr id="204" name="Google Shape;204;g310d8c41dc6_0_0:notes"/>
           <p:cNvSpPr/>
           <p:nvPr>
             <p:ph idx="2" type="sldImg"/>
@@ -16608,7 +16608,7 @@
                   <a:schemeClr val="dk1"/>
                 </a:solidFill>
               </a:rPr>
-              <a:t>VADER and RoBERTa</a:t>
+              <a:t>Application Fundamentals</a:t>
             </a:r>
             <a:endParaRPr/>
           </a:p>
@@ -16950,8 +16950,8 @@
         </p:nvSpPr>
         <p:spPr>
           <a:xfrm>
-            <a:off x="838200" y="1929378"/>
-            <a:ext cx="10515600" cy="2817900"/>
+            <a:off x="838200" y="1929384"/>
+            <a:ext cx="10515600" cy="4251900"/>
           </a:xfrm>
           <a:prstGeom prst="rect">
             <a:avLst/>
@@ -16963,11 +16963,11 @@
         </p:spPr>
         <p:txBody>
           <a:bodyPr anchorCtr="0" anchor="t" bIns="45700" lIns="91425" spcFirstLastPara="1" rIns="91425" wrap="square" tIns="45700">
-            <a:normAutofit/>
+            <a:normAutofit lnSpcReduction="10000"/>
           </a:bodyPr>
           <a:lstStyle/>
           <a:p>
-            <a:pPr indent="-247650" lvl="0" marL="228600" rtl="0" algn="l">
+            <a:pPr indent="-342900" lvl="0" marL="342900" rtl="0" algn="l">
               <a:spcBef>
                 <a:spcPts val="0"/>
               </a:spcBef>
@@ -16979,102 +16979,229 @@
             </a:pPr>
             <a:r>
               <a:rPr lang="en" sz="1900"/>
-              <a:t>With smaller sample of data</a:t>
+              <a:t>Two Data Files</a:t>
             </a:r>
             <a:endParaRPr sz="1900"/>
           </a:p>
           <a:p>
-            <a:pPr indent="0" lvl="0" marL="0" rtl="0" algn="l">
-              <a:spcBef>
-                <a:spcPts val="0"/>
-              </a:spcBef>
-              <a:spcAft>
-                <a:spcPts val="0"/>
-              </a:spcAft>
-              <a:buNone/>
+            <a:pPr indent="-260350" lvl="2" marL="640080" rtl="0" algn="l">
+              <a:spcBef>
+                <a:spcPts val="0"/>
+              </a:spcBef>
+              <a:spcAft>
+                <a:spcPts val="0"/>
+              </a:spcAft>
+              <a:buSzPts val="1900"/>
+              <a:buChar char="•"/>
             </a:pPr>
             <a:r>
-              <a:t/>
+              <a:rPr lang="en" sz="1900"/>
+              <a:t>Appliance</a:t>
+            </a:r>
+            <a:r>
+              <a:rPr lang="en" sz="1900"/>
+              <a:t> reviews</a:t>
             </a:r>
             <a:endParaRPr sz="1900"/>
           </a:p>
-        </p:txBody>
-      </p:sp>
-      <p:pic>
-        <p:nvPicPr>
-          <p:cNvPr id="194" name="Google Shape;194;p24"/>
-          <p:cNvPicPr preferRelativeResize="0"/>
-          <p:nvPr/>
-        </p:nvPicPr>
-        <p:blipFill>
-          <a:blip r:embed="rId3">
-            <a:alphaModFix/>
-          </a:blip>
-          <a:stretch>
-            <a:fillRect/>
-          </a:stretch>
-        </p:blipFill>
-        <p:spPr>
-          <a:xfrm>
-            <a:off x="0" y="2465323"/>
-            <a:ext cx="12192000" cy="2203054"/>
-          </a:xfrm>
-          <a:prstGeom prst="rect">
-            <a:avLst/>
-          </a:prstGeom>
-          <a:noFill/>
-          <a:ln>
-            <a:noFill/>
-          </a:ln>
-        </p:spPr>
-      </p:pic>
-      <p:sp>
-        <p:nvSpPr>
-          <p:cNvPr id="195" name="Google Shape;195;p24"/>
-          <p:cNvSpPr txBox="1"/>
-          <p:nvPr/>
-        </p:nvSpPr>
-        <p:spPr>
-          <a:xfrm>
-            <a:off x="2240050" y="4935375"/>
-            <a:ext cx="6909600" cy="969600"/>
-          </a:xfrm>
-          <a:prstGeom prst="rect">
-            <a:avLst/>
-          </a:prstGeom>
-          <a:noFill/>
-          <a:ln>
-            <a:noFill/>
-          </a:ln>
-        </p:spPr>
-        <p:txBody>
-          <a:bodyPr anchorCtr="0" anchor="t" bIns="91425" lIns="91425" spcFirstLastPara="1" rIns="91425" wrap="square" tIns="91425">
-            <a:spAutoFit/>
-          </a:bodyPr>
-          <a:lstStyle/>
           <a:p>
-            <a:pPr indent="0" lvl="0" marL="0" rtl="0" algn="l">
-              <a:spcBef>
-                <a:spcPts val="0"/>
-              </a:spcBef>
-              <a:spcAft>
-                <a:spcPts val="0"/>
-              </a:spcAft>
-              <a:buNone/>
+            <a:pPr indent="-260350" lvl="2" marL="640080" rtl="0" algn="l">
+              <a:spcBef>
+                <a:spcPts val="0"/>
+              </a:spcBef>
+              <a:spcAft>
+                <a:spcPts val="0"/>
+              </a:spcAft>
+              <a:buSzPts val="1900"/>
+              <a:buChar char="•"/>
             </a:pPr>
             <a:r>
-              <a:rPr lang="en" sz="1700">
-                <a:solidFill>
-                  <a:schemeClr val="dk1"/>
-                </a:solidFill>
-                <a:latin typeface="Consolas"/>
-                <a:ea typeface="Consolas"/>
-                <a:cs typeface="Consolas"/>
-                <a:sym typeface="Consolas"/>
-              </a:rPr>
-              <a:t>VADER proved efficient with straightforward reviews, while RoBERTa provided more nuanced insights, like mixed sentiments or complex wording.</a:t>
+              <a:rPr lang="en" sz="1900"/>
+              <a:t>Metadata</a:t>
             </a:r>
-            <a:endParaRPr/>
+            <a:r>
+              <a:rPr lang="en" sz="1900"/>
+              <a:t> about specific appliances</a:t>
+            </a:r>
+            <a:endParaRPr sz="1900"/>
+          </a:p>
+          <a:p>
+            <a:pPr indent="-260350" lvl="2" marL="640080" rtl="0" algn="l">
+              <a:spcBef>
+                <a:spcPts val="0"/>
+              </a:spcBef>
+              <a:spcAft>
+                <a:spcPts val="0"/>
+              </a:spcAft>
+              <a:buSzPts val="1900"/>
+              <a:buChar char="•"/>
+            </a:pPr>
+            <a:r>
+              <a:rPr lang="en" sz="1900"/>
+              <a:t>Processed, combined, and prepared data for use with our selected model</a:t>
+            </a:r>
+            <a:endParaRPr sz="1900"/>
+          </a:p>
+          <a:p>
+            <a:pPr indent="-247650" lvl="0" marL="228600" rtl="0" algn="l">
+              <a:spcBef>
+                <a:spcPts val="0"/>
+              </a:spcBef>
+              <a:spcAft>
+                <a:spcPts val="0"/>
+              </a:spcAft>
+              <a:buSzPts val="1900"/>
+              <a:buChar char="•"/>
+            </a:pPr>
+            <a:r>
+              <a:rPr lang="en" sz="1900"/>
+              <a:t>Function</a:t>
+            </a:r>
+            <a:endParaRPr sz="1900"/>
+          </a:p>
+          <a:p>
+            <a:pPr indent="-260350" lvl="2" marL="640080" rtl="0" algn="l">
+              <a:spcBef>
+                <a:spcPts val="0"/>
+              </a:spcBef>
+              <a:spcAft>
+                <a:spcPts val="0"/>
+              </a:spcAft>
+              <a:buSzPts val="1900"/>
+              <a:buChar char="•"/>
+            </a:pPr>
+            <a:r>
+              <a:rPr lang="en" sz="1900"/>
+              <a:t>Looks up all appliance types that match users request</a:t>
+            </a:r>
+            <a:endParaRPr sz="1900"/>
+          </a:p>
+          <a:p>
+            <a:pPr indent="-260350" lvl="2" marL="640080" rtl="0" algn="l">
+              <a:spcBef>
+                <a:spcPts val="0"/>
+              </a:spcBef>
+              <a:spcAft>
+                <a:spcPts val="0"/>
+              </a:spcAft>
+              <a:buSzPts val="1900"/>
+              <a:buChar char="•"/>
+            </a:pPr>
+            <a:r>
+              <a:rPr lang="en" sz="1900"/>
+              <a:t>Finds matching reviews for appliances</a:t>
+            </a:r>
+            <a:endParaRPr sz="1900"/>
+          </a:p>
+          <a:p>
+            <a:pPr indent="-260350" lvl="2" marL="640080" rtl="0" algn="l">
+              <a:spcBef>
+                <a:spcPts val="0"/>
+              </a:spcBef>
+              <a:spcAft>
+                <a:spcPts val="0"/>
+              </a:spcAft>
+              <a:buSzPts val="1900"/>
+              <a:buChar char="•"/>
+            </a:pPr>
+            <a:r>
+              <a:rPr lang="en" sz="1900"/>
+              <a:t>Finds the average scores from sentiment analysis (must have &gt;100 reviews)</a:t>
+            </a:r>
+            <a:endParaRPr sz="1900"/>
+          </a:p>
+          <a:p>
+            <a:pPr indent="-260350" lvl="2" marL="640080" rtl="0" algn="l">
+              <a:spcBef>
+                <a:spcPts val="0"/>
+              </a:spcBef>
+              <a:spcAft>
+                <a:spcPts val="0"/>
+              </a:spcAft>
+              <a:buSzPts val="1900"/>
+              <a:buChar char="•"/>
+            </a:pPr>
+            <a:r>
+              <a:rPr lang="en" sz="1900"/>
+              <a:t>Returns top and bottom products</a:t>
+            </a:r>
+            <a:endParaRPr sz="1900"/>
+          </a:p>
+          <a:p>
+            <a:pPr indent="-247650" lvl="0" marL="228600" rtl="0" algn="l">
+              <a:spcBef>
+                <a:spcPts val="0"/>
+              </a:spcBef>
+              <a:spcAft>
+                <a:spcPts val="0"/>
+              </a:spcAft>
+              <a:buSzPts val="1900"/>
+              <a:buChar char="•"/>
+            </a:pPr>
+            <a:r>
+              <a:rPr lang="en" sz="1900"/>
+              <a:t>Gradio used as interface</a:t>
+            </a:r>
+            <a:endParaRPr sz="1900"/>
+          </a:p>
+          <a:p>
+            <a:pPr indent="-260350" lvl="2" marL="640080" rtl="0" algn="l">
+              <a:spcBef>
+                <a:spcPts val="0"/>
+              </a:spcBef>
+              <a:spcAft>
+                <a:spcPts val="0"/>
+              </a:spcAft>
+              <a:buSzPts val="1900"/>
+              <a:buChar char="•"/>
+            </a:pPr>
+            <a:r>
+              <a:rPr lang="en" sz="1900"/>
+              <a:t>Allows user to select appliance type</a:t>
+            </a:r>
+            <a:endParaRPr sz="1900"/>
+          </a:p>
+          <a:p>
+            <a:pPr indent="-260350" lvl="2" marL="640080" rtl="0" algn="l">
+              <a:spcBef>
+                <a:spcPts val="0"/>
+              </a:spcBef>
+              <a:spcAft>
+                <a:spcPts val="0"/>
+              </a:spcAft>
+              <a:buSzPts val="1900"/>
+              <a:buChar char="•"/>
+            </a:pPr>
+            <a:r>
+              <a:rPr lang="en" sz="1900"/>
+              <a:t>Returns top 3 and bottom 3 </a:t>
+            </a:r>
+            <a:r>
+              <a:rPr lang="en" sz="1900"/>
+              <a:t>reviewed</a:t>
+            </a:r>
+            <a:r>
+              <a:rPr lang="en" sz="1900"/>
+              <a:t> products based on sentiment analysis</a:t>
+            </a:r>
+            <a:endParaRPr sz="1900"/>
+          </a:p>
+          <a:p>
+            <a:pPr indent="-260350" lvl="2" marL="640080" rtl="0" algn="l">
+              <a:spcBef>
+                <a:spcPts val="0"/>
+              </a:spcBef>
+              <a:spcAft>
+                <a:spcPts val="0"/>
+              </a:spcAft>
+              <a:buSzPts val="1900"/>
+              <a:buChar char="•"/>
+            </a:pPr>
+            <a:r>
+              <a:rPr lang="en" sz="1900"/>
+              <a:t>Generates a sales pitch based on a random style</a:t>
+            </a:r>
+            <a:endParaRPr sz="1900"/>
           </a:p>
         </p:txBody>
       </p:sp>
@@ -17098,7 +17225,7 @@
     </p:bg>
     <p:spTree>
       <p:nvGrpSpPr>
-        <p:cNvPr id="199" name="Shape 199"/>
+        <p:cNvPr id="197" name="Shape 197"/>
         <p:cNvGrpSpPr/>
         <p:nvPr/>
       </p:nvGrpSpPr>
@@ -17112,7 +17239,7 @@
       </p:grpSpPr>
       <p:sp>
         <p:nvSpPr>
-          <p:cNvPr id="200" name="Google Shape;200;p25"/>
+          <p:cNvPr id="198" name="Google Shape;198;p25"/>
           <p:cNvSpPr/>
           <p:nvPr/>
         </p:nvSpPr>
@@ -17163,7 +17290,7 @@
       </p:sp>
       <p:sp>
         <p:nvSpPr>
-          <p:cNvPr id="201" name="Google Shape;201;p25"/>
+          <p:cNvPr id="199" name="Google Shape;199;p25"/>
           <p:cNvSpPr txBox="1"/>
           <p:nvPr>
             <p:ph type="title"/>
@@ -17211,7 +17338,7 @@
                   <a:schemeClr val="dk1"/>
                 </a:solidFill>
               </a:rPr>
-              <a:t>Application Fundamentals</a:t>
+              <a:t>Open AI</a:t>
             </a:r>
             <a:endParaRPr/>
           </a:p>
@@ -17219,7 +17346,7 @@
       </p:sp>
       <p:sp>
         <p:nvSpPr>
-          <p:cNvPr id="202" name="Google Shape;202;p25"/>
+          <p:cNvPr id="200" name="Google Shape;200;p25"/>
           <p:cNvSpPr/>
           <p:nvPr/>
         </p:nvSpPr>
@@ -17545,7 +17672,7 @@
       </p:sp>
       <p:sp>
         <p:nvSpPr>
-          <p:cNvPr id="203" name="Google Shape;203;p25"/>
+          <p:cNvPr id="201" name="Google Shape;201;p25"/>
           <p:cNvSpPr txBox="1"/>
           <p:nvPr>
             <p:ph idx="1" type="body"/>
@@ -17566,7 +17693,7 @@
         </p:spPr>
         <p:txBody>
           <a:bodyPr anchorCtr="0" anchor="t" bIns="45700" lIns="91425" spcFirstLastPara="1" rIns="91425" wrap="square" tIns="45700">
-            <a:normAutofit lnSpcReduction="10000"/>
+            <a:normAutofit/>
           </a:bodyPr>
           <a:lstStyle/>
           <a:p>
@@ -17582,7 +17709,24 @@
             </a:pPr>
             <a:r>
               <a:rPr lang="en" sz="1900"/>
-              <a:t>Two Data Files</a:t>
+              <a:t>Chat GPT was used to Generate the Salespitch!</a:t>
+            </a:r>
+            <a:endParaRPr sz="1900"/>
+          </a:p>
+          <a:p>
+            <a:pPr indent="-260350" lvl="1" marL="457200" rtl="0" algn="l">
+              <a:spcBef>
+                <a:spcPts val="0"/>
+              </a:spcBef>
+              <a:spcAft>
+                <a:spcPts val="0"/>
+              </a:spcAft>
+              <a:buSzPts val="1900"/>
+              <a:buChar char="+"/>
+            </a:pPr>
+            <a:r>
+              <a:rPr lang="en" sz="1900"/>
+              <a:t>A function to generate the query was created.</a:t>
             </a:r>
             <a:endParaRPr sz="1900"/>
           </a:p>
@@ -17599,11 +17743,15 @@
             </a:pPr>
             <a:r>
               <a:rPr lang="en" sz="1900"/>
-              <a:t>Appliance</a:t>
+              <a:t>Pass in a </a:t>
             </a:r>
             <a:r>
               <a:rPr lang="en" sz="1900"/>
-              <a:t> reviews</a:t>
+              <a:t>category</a:t>
+            </a:r>
+            <a:r>
+              <a:rPr lang="en" sz="1900"/>
+              <a:t>, name of good and bad products.</a:t>
             </a:r>
             <a:endParaRPr sz="1900"/>
           </a:p>
@@ -17620,11 +17768,7 @@
             </a:pPr>
             <a:r>
               <a:rPr lang="en" sz="1900"/>
-              <a:t>Metadata</a:t>
-            </a:r>
-            <a:r>
-              <a:rPr lang="en" sz="1900"/>
-              <a:t> about specific appliances</a:t>
+              <a:t>Products used in the prompt were scored by our sentiment model.</a:t>
             </a:r>
             <a:endParaRPr sz="1900"/>
           </a:p>
@@ -17641,7 +17785,7 @@
             </a:pPr>
             <a:r>
               <a:rPr lang="en" sz="1900"/>
-              <a:t>Processed, combined, and prepared data for use with our selected model</a:t>
+              <a:t>Return a prompt for Chat GPT. </a:t>
             </a:r>
             <a:endParaRPr sz="1900"/>
           </a:p>
@@ -17658,12 +17802,12 @@
             </a:pPr>
             <a:r>
               <a:rPr lang="en" sz="1900"/>
-              <a:t>Function</a:t>
+              <a:t>Chat GPT “gpt-4o” was issued the query. </a:t>
             </a:r>
             <a:endParaRPr sz="1900"/>
           </a:p>
           <a:p>
-            <a:pPr indent="-260350" lvl="2" marL="640080" rtl="0" algn="l">
+            <a:pPr indent="-260350" lvl="1" marL="457200" rtl="0" algn="l">
               <a:spcBef>
                 <a:spcPts val="0"/>
               </a:spcBef>
@@ -17671,138 +17815,11 @@
                 <a:spcPts val="0"/>
               </a:spcAft>
               <a:buSzPts val="1900"/>
-              <a:buChar char="•"/>
+              <a:buChar char="+"/>
             </a:pPr>
             <a:r>
               <a:rPr lang="en" sz="1900"/>
-              <a:t>Looks up all appliance types that match users request</a:t>
-            </a:r>
-            <a:endParaRPr sz="1900"/>
-          </a:p>
-          <a:p>
-            <a:pPr indent="-260350" lvl="2" marL="640080" rtl="0" algn="l">
-              <a:spcBef>
-                <a:spcPts val="0"/>
-              </a:spcBef>
-              <a:spcAft>
-                <a:spcPts val="0"/>
-              </a:spcAft>
-              <a:buSzPts val="1900"/>
-              <a:buChar char="•"/>
-            </a:pPr>
-            <a:r>
-              <a:rPr lang="en" sz="1900"/>
-              <a:t>Finds matching reviews for appliances</a:t>
-            </a:r>
-            <a:endParaRPr sz="1900"/>
-          </a:p>
-          <a:p>
-            <a:pPr indent="-260350" lvl="2" marL="640080" rtl="0" algn="l">
-              <a:spcBef>
-                <a:spcPts val="0"/>
-              </a:spcBef>
-              <a:spcAft>
-                <a:spcPts val="0"/>
-              </a:spcAft>
-              <a:buSzPts val="1900"/>
-              <a:buChar char="•"/>
-            </a:pPr>
-            <a:r>
-              <a:rPr lang="en" sz="1900"/>
-              <a:t>Finds the average scores from sentiment analysis (must have &gt;100 reviews)</a:t>
-            </a:r>
-            <a:endParaRPr sz="1900"/>
-          </a:p>
-          <a:p>
-            <a:pPr indent="-260350" lvl="2" marL="640080" rtl="0" algn="l">
-              <a:spcBef>
-                <a:spcPts val="0"/>
-              </a:spcBef>
-              <a:spcAft>
-                <a:spcPts val="0"/>
-              </a:spcAft>
-              <a:buSzPts val="1900"/>
-              <a:buChar char="•"/>
-            </a:pPr>
-            <a:r>
-              <a:rPr lang="en" sz="1900"/>
-              <a:t>Returns top and bottom products</a:t>
-            </a:r>
-            <a:endParaRPr sz="1900"/>
-          </a:p>
-          <a:p>
-            <a:pPr indent="-247650" lvl="0" marL="228600" rtl="0" algn="l">
-              <a:spcBef>
-                <a:spcPts val="0"/>
-              </a:spcBef>
-              <a:spcAft>
-                <a:spcPts val="0"/>
-              </a:spcAft>
-              <a:buSzPts val="1900"/>
-              <a:buChar char="•"/>
-            </a:pPr>
-            <a:r>
-              <a:rPr lang="en" sz="1900"/>
-              <a:t>Gradio used as interface</a:t>
-            </a:r>
-            <a:endParaRPr sz="1900"/>
-          </a:p>
-          <a:p>
-            <a:pPr indent="-260350" lvl="2" marL="640080" rtl="0" algn="l">
-              <a:spcBef>
-                <a:spcPts val="0"/>
-              </a:spcBef>
-              <a:spcAft>
-                <a:spcPts val="0"/>
-              </a:spcAft>
-              <a:buSzPts val="1900"/>
-              <a:buChar char="•"/>
-            </a:pPr>
-            <a:r>
-              <a:rPr lang="en" sz="1900"/>
-              <a:t>Allows user to select appliance type</a:t>
-            </a:r>
-            <a:endParaRPr sz="1900"/>
-          </a:p>
-          <a:p>
-            <a:pPr indent="-260350" lvl="2" marL="640080" rtl="0" algn="l">
-              <a:spcBef>
-                <a:spcPts val="0"/>
-              </a:spcBef>
-              <a:spcAft>
-                <a:spcPts val="0"/>
-              </a:spcAft>
-              <a:buSzPts val="1900"/>
-              <a:buChar char="•"/>
-            </a:pPr>
-            <a:r>
-              <a:rPr lang="en" sz="1900"/>
-              <a:t>Returns top 3 and bottom 3 </a:t>
-            </a:r>
-            <a:r>
-              <a:rPr lang="en" sz="1900"/>
-              <a:t>reviewed</a:t>
-            </a:r>
-            <a:r>
-              <a:rPr lang="en" sz="1900"/>
-              <a:t> products based on sentiment analysis</a:t>
-            </a:r>
-            <a:endParaRPr sz="1900"/>
-          </a:p>
-          <a:p>
-            <a:pPr indent="-260350" lvl="2" marL="640080" rtl="0" algn="l">
-              <a:spcBef>
-                <a:spcPts val="0"/>
-              </a:spcBef>
-              <a:spcAft>
-                <a:spcPts val="0"/>
-              </a:spcAft>
-              <a:buSzPts val="1900"/>
-              <a:buChar char="•"/>
-            </a:pPr>
-            <a:r>
-              <a:rPr lang="en" sz="1900"/>
-              <a:t>Generates a sales pitch based on a random style</a:t>
+              <a:t>The response was a random sales pitch  </a:t>
             </a:r>
             <a:endParaRPr sz="1900"/>
           </a:p>
@@ -17828,7 +17845,7 @@
     </p:bg>
     <p:spTree>
       <p:nvGrpSpPr>
-        <p:cNvPr id="207" name="Shape 207"/>
+        <p:cNvPr id="205" name="Shape 205"/>
         <p:cNvGrpSpPr/>
         <p:nvPr/>
       </p:nvGrpSpPr>
@@ -17842,7 +17859,7 @@
       </p:grpSpPr>
       <p:sp>
         <p:nvSpPr>
-          <p:cNvPr id="208" name="Google Shape;208;p26"/>
+          <p:cNvPr id="206" name="Google Shape;206;p26"/>
           <p:cNvSpPr/>
           <p:nvPr/>
         </p:nvSpPr>
@@ -17893,7 +17910,7 @@
       </p:sp>
       <p:sp>
         <p:nvSpPr>
-          <p:cNvPr id="209" name="Google Shape;209;p26"/>
+          <p:cNvPr id="207" name="Google Shape;207;p26"/>
           <p:cNvSpPr txBox="1"/>
           <p:nvPr>
             <p:ph type="title"/>
@@ -17941,7 +17958,7 @@
                   <a:schemeClr val="dk1"/>
                 </a:solidFill>
               </a:rPr>
-              <a:t>Open AI</a:t>
+              <a:t>VADER and RoBERTa</a:t>
             </a:r>
             <a:endParaRPr/>
           </a:p>
@@ -17949,7 +17966,7 @@
       </p:sp>
       <p:sp>
         <p:nvSpPr>
-          <p:cNvPr id="210" name="Google Shape;210;p26"/>
+          <p:cNvPr id="208" name="Google Shape;208;p26"/>
           <p:cNvSpPr/>
           <p:nvPr/>
         </p:nvSpPr>
@@ -18275,7 +18292,7 @@
       </p:sp>
       <p:sp>
         <p:nvSpPr>
-          <p:cNvPr id="211" name="Google Shape;211;p26"/>
+          <p:cNvPr id="209" name="Google Shape;209;p26"/>
           <p:cNvSpPr txBox="1"/>
           <p:nvPr>
             <p:ph idx="1" type="body"/>
@@ -18283,8 +18300,8 @@
         </p:nvSpPr>
         <p:spPr>
           <a:xfrm>
-            <a:off x="838200" y="1929384"/>
-            <a:ext cx="10515600" cy="4251900"/>
+            <a:off x="838200" y="1929378"/>
+            <a:ext cx="10515600" cy="2817900"/>
           </a:xfrm>
           <a:prstGeom prst="rect">
             <a:avLst/>
@@ -18300,7 +18317,7 @@
           </a:bodyPr>
           <a:lstStyle/>
           <a:p>
-            <a:pPr indent="-342900" lvl="0" marL="342900" rtl="0" algn="l">
+            <a:pPr indent="-247650" lvl="0" marL="228600" rtl="0" algn="l">
               <a:spcBef>
                 <a:spcPts val="0"/>
               </a:spcBef>
@@ -18312,119 +18329,102 @@
             </a:pPr>
             <a:r>
               <a:rPr lang="en" sz="1900"/>
-              <a:t>Chat GPT was used to Generate the Salespitch!</a:t>
+              <a:t>With smaller sample of data</a:t>
             </a:r>
             <a:endParaRPr sz="1900"/>
           </a:p>
           <a:p>
-            <a:pPr indent="-260350" lvl="1" marL="457200" rtl="0" algn="l">
-              <a:spcBef>
-                <a:spcPts val="0"/>
-              </a:spcBef>
-              <a:spcAft>
-                <a:spcPts val="0"/>
-              </a:spcAft>
-              <a:buSzPts val="1900"/>
-              <a:buChar char="+"/>
+            <a:pPr indent="0" lvl="0" marL="0" rtl="0" algn="l">
+              <a:spcBef>
+                <a:spcPts val="0"/>
+              </a:spcBef>
+              <a:spcAft>
+                <a:spcPts val="0"/>
+              </a:spcAft>
+              <a:buNone/>
             </a:pPr>
             <a:r>
-              <a:rPr lang="en" sz="1900"/>
-              <a:t>A function to generate the query was created.</a:t>
+              <a:t/>
             </a:r>
             <a:endParaRPr sz="1900"/>
           </a:p>
+        </p:txBody>
+      </p:sp>
+      <p:pic>
+        <p:nvPicPr>
+          <p:cNvPr id="210" name="Google Shape;210;p26"/>
+          <p:cNvPicPr preferRelativeResize="0"/>
+          <p:nvPr/>
+        </p:nvPicPr>
+        <p:blipFill>
+          <a:blip r:embed="rId3">
+            <a:alphaModFix/>
+          </a:blip>
+          <a:stretch>
+            <a:fillRect/>
+          </a:stretch>
+        </p:blipFill>
+        <p:spPr>
+          <a:xfrm>
+            <a:off x="0" y="2465323"/>
+            <a:ext cx="12192000" cy="2203054"/>
+          </a:xfrm>
+          <a:prstGeom prst="rect">
+            <a:avLst/>
+          </a:prstGeom>
+          <a:noFill/>
+          <a:ln>
+            <a:noFill/>
+          </a:ln>
+        </p:spPr>
+      </p:pic>
+      <p:sp>
+        <p:nvSpPr>
+          <p:cNvPr id="211" name="Google Shape;211;p26"/>
+          <p:cNvSpPr txBox="1"/>
+          <p:nvPr/>
+        </p:nvSpPr>
+        <p:spPr>
+          <a:xfrm>
+            <a:off x="2240050" y="4935375"/>
+            <a:ext cx="6909600" cy="969600"/>
+          </a:xfrm>
+          <a:prstGeom prst="rect">
+            <a:avLst/>
+          </a:prstGeom>
+          <a:noFill/>
+          <a:ln>
+            <a:noFill/>
+          </a:ln>
+        </p:spPr>
+        <p:txBody>
+          <a:bodyPr anchorCtr="0" anchor="t" bIns="91425" lIns="91425" spcFirstLastPara="1" rIns="91425" wrap="square" tIns="91425">
+            <a:spAutoFit/>
+          </a:bodyPr>
+          <a:lstStyle/>
           <a:p>
-            <a:pPr indent="-260350" lvl="2" marL="640080" rtl="0" algn="l">
-              <a:spcBef>
-                <a:spcPts val="0"/>
-              </a:spcBef>
-              <a:spcAft>
-                <a:spcPts val="0"/>
-              </a:spcAft>
-              <a:buSzPts val="1900"/>
-              <a:buChar char="•"/>
+            <a:pPr indent="0" lvl="0" marL="0" rtl="0" algn="l">
+              <a:spcBef>
+                <a:spcPts val="0"/>
+              </a:spcBef>
+              <a:spcAft>
+                <a:spcPts val="0"/>
+              </a:spcAft>
+              <a:buNone/>
             </a:pPr>
             <a:r>
-              <a:rPr lang="en" sz="1900"/>
-              <a:t>Pass in a </a:t>
+              <a:rPr lang="en" sz="1700">
+                <a:solidFill>
+                  <a:schemeClr val="dk1"/>
+                </a:solidFill>
+                <a:latin typeface="Consolas"/>
+                <a:ea typeface="Consolas"/>
+                <a:cs typeface="Consolas"/>
+                <a:sym typeface="Consolas"/>
+              </a:rPr>
+              <a:t>VADER proved efficient with straightforward reviews, while RoBERTa provided more nuanced insights, like mixed sentiments or complex wording.</a:t>
             </a:r>
-            <a:r>
-              <a:rPr lang="en" sz="1900"/>
-              <a:t>category</a:t>
-            </a:r>
-            <a:r>
-              <a:rPr lang="en" sz="1900"/>
-              <a:t>, name of good and bad products.</a:t>
-            </a:r>
-            <a:endParaRPr sz="1900"/>
-          </a:p>
-          <a:p>
-            <a:pPr indent="-260350" lvl="2" marL="640080" rtl="0" algn="l">
-              <a:spcBef>
-                <a:spcPts val="0"/>
-              </a:spcBef>
-              <a:spcAft>
-                <a:spcPts val="0"/>
-              </a:spcAft>
-              <a:buSzPts val="1900"/>
-              <a:buChar char="•"/>
-            </a:pPr>
-            <a:r>
-              <a:rPr lang="en" sz="1900"/>
-              <a:t>Products used in the prompt were scored by our sentiment model.</a:t>
-            </a:r>
-            <a:endParaRPr sz="1900"/>
-          </a:p>
-          <a:p>
-            <a:pPr indent="-260350" lvl="2" marL="640080" rtl="0" algn="l">
-              <a:spcBef>
-                <a:spcPts val="0"/>
-              </a:spcBef>
-              <a:spcAft>
-                <a:spcPts val="0"/>
-              </a:spcAft>
-              <a:buSzPts val="1900"/>
-              <a:buChar char="•"/>
-            </a:pPr>
-            <a:r>
-              <a:rPr lang="en" sz="1900"/>
-              <a:t>Return a prompt for Chat GPT. </a:t>
-            </a:r>
-            <a:endParaRPr sz="1900"/>
-          </a:p>
-          <a:p>
-            <a:pPr indent="-247650" lvl="0" marL="228600" rtl="0" algn="l">
-              <a:spcBef>
-                <a:spcPts val="0"/>
-              </a:spcBef>
-              <a:spcAft>
-                <a:spcPts val="0"/>
-              </a:spcAft>
-              <a:buSzPts val="1900"/>
-              <a:buChar char="•"/>
-            </a:pPr>
-            <a:r>
-              <a:rPr lang="en" sz="1900"/>
-              <a:t>Chat GPT “gpt-4o” was issued the query. </a:t>
-            </a:r>
-            <a:endParaRPr sz="1900"/>
-          </a:p>
-          <a:p>
-            <a:pPr indent="-260350" lvl="1" marL="457200" rtl="0" algn="l">
-              <a:spcBef>
-                <a:spcPts val="0"/>
-              </a:spcBef>
-              <a:spcAft>
-                <a:spcPts val="0"/>
-              </a:spcAft>
-              <a:buSzPts val="1900"/>
-              <a:buChar char="+"/>
-            </a:pPr>
-            <a:r>
-              <a:rPr lang="en" sz="1900"/>
-              <a:t>The response was a random sales pitch  </a:t>
-            </a:r>
-            <a:endParaRPr sz="1900"/>
+            <a:endParaRPr/>
           </a:p>
         </p:txBody>
       </p:sp>
